--- a/Grounded Theory/GT_0.pptx
+++ b/Grounded Theory/GT_0.pptx
@@ -625,6 +625,207 @@
               <a:rPr lang="en-US" dirty="0"/>
               <a:t>A deep learning approach to early identification of suggested sexual harassment from videos</a:t>
             </a:r>
+          </a:p>
+          <a:p>
+            <a:pPr marL="171450" marR="0" lvl="0" indent="-171450" algn="l" defTabSz="914400" rtl="0" eaLnBrk="1" fontAlgn="auto" latinLnBrk="0" hangingPunct="1">
+              <a:lnSpc>
+                <a:spcPct val="100000"/>
+              </a:lnSpc>
+              <a:spcBef>
+                <a:spcPts val="0"/>
+              </a:spcBef>
+              <a:spcAft>
+                <a:spcPts val="0"/>
+              </a:spcAft>
+              <a:buClrTx/>
+              <a:buSzTx/>
+              <a:buFont typeface="Arial" panose="020B0604020202020204" pitchFamily="34" charset="0"/>
+              <a:buChar char="•"/>
+              <a:tabLst/>
+              <a:defRPr/>
+            </a:pPr>
+            <a:r>
+              <a:rPr lang="en-US" dirty="0"/>
+              <a:t>Alternate Sexual Harassment Definition:</a:t>
+            </a:r>
+          </a:p>
+          <a:p>
+            <a:pPr marL="628650" marR="0" lvl="1" indent="-171450" algn="l" defTabSz="914400" rtl="0" eaLnBrk="1" fontAlgn="auto" latinLnBrk="0" hangingPunct="1">
+              <a:lnSpc>
+                <a:spcPct val="100000"/>
+              </a:lnSpc>
+              <a:spcBef>
+                <a:spcPts val="0"/>
+              </a:spcBef>
+              <a:spcAft>
+                <a:spcPts val="0"/>
+              </a:spcAft>
+              <a:buClrTx/>
+              <a:buSzTx/>
+              <a:buFont typeface="Arial" panose="020B0604020202020204" pitchFamily="34" charset="0"/>
+              <a:buChar char="•"/>
+              <a:tabLst/>
+              <a:defRPr/>
+            </a:pPr>
+            <a:r>
+              <a:rPr lang="en-US" dirty="0"/>
+              <a:t>Sexual harassment is forbidden, according to the Norwegian Equality and </a:t>
+            </a:r>
+            <a:r>
+              <a:rPr lang="en-US" dirty="0" err="1"/>
+              <a:t>AntiDiscrimination</a:t>
+            </a:r>
+            <a:r>
+              <a:rPr lang="en-US" dirty="0"/>
+              <a:t> Act § 13. It is defined as ‘any form of unwanted sexual attention that aims to or is perceived as offending, frightening, hostile, condescending, humiliating or bothersome’ (Equality and Anti-Discrimination Act, 2018).</a:t>
+            </a:r>
+          </a:p>
+          <a:p>
+            <a:pPr marL="628650" marR="0" lvl="1" indent="-171450" algn="l" defTabSz="914400" rtl="0" eaLnBrk="1" fontAlgn="auto" latinLnBrk="0" hangingPunct="1">
+              <a:lnSpc>
+                <a:spcPct val="100000"/>
+              </a:lnSpc>
+              <a:spcBef>
+                <a:spcPts val="0"/>
+              </a:spcBef>
+              <a:spcAft>
+                <a:spcPts val="0"/>
+              </a:spcAft>
+              <a:buClrTx/>
+              <a:buSzTx/>
+              <a:buFont typeface="Arial" panose="020B0604020202020204" pitchFamily="34" charset="0"/>
+              <a:buChar char="•"/>
+              <a:tabLst/>
+              <a:defRPr/>
+            </a:pPr>
+            <a:r>
+              <a:rPr lang="en-US" dirty="0"/>
+              <a:t>Source: </a:t>
+            </a:r>
+            <a:r>
+              <a:rPr lang="en-US" b="0" i="0" dirty="0">
+                <a:solidFill>
+                  <a:srgbClr val="222222"/>
+                </a:solidFill>
+                <a:effectLst/>
+                <a:highlight>
+                  <a:srgbClr val="FFFFFF"/>
+                </a:highlight>
+                <a:latin typeface="Arial" panose="020B0604020202020204" pitchFamily="34" charset="0"/>
+              </a:rPr>
+              <a:t>Goldschmidt-</a:t>
+            </a:r>
+            <a:r>
+              <a:rPr lang="en-US" b="0" i="0" dirty="0" err="1">
+                <a:solidFill>
+                  <a:srgbClr val="222222"/>
+                </a:solidFill>
+                <a:effectLst/>
+                <a:highlight>
+                  <a:srgbClr val="FFFFFF"/>
+                </a:highlight>
+                <a:latin typeface="Arial" panose="020B0604020202020204" pitchFamily="34" charset="0"/>
+              </a:rPr>
+              <a:t>Gjerløw</a:t>
+            </a:r>
+            <a:r>
+              <a:rPr lang="en-US" b="0" i="0" dirty="0">
+                <a:solidFill>
+                  <a:srgbClr val="222222"/>
+                </a:solidFill>
+                <a:effectLst/>
+                <a:highlight>
+                  <a:srgbClr val="FFFFFF"/>
+                </a:highlight>
+                <a:latin typeface="Arial" panose="020B0604020202020204" pitchFamily="34" charset="0"/>
+              </a:rPr>
+              <a:t>, </a:t>
+            </a:r>
+            <a:r>
+              <a:rPr lang="en-US" b="0" i="0" dirty="0" err="1">
+                <a:solidFill>
+                  <a:srgbClr val="222222"/>
+                </a:solidFill>
+                <a:effectLst/>
+                <a:highlight>
+                  <a:srgbClr val="FFFFFF"/>
+                </a:highlight>
+                <a:latin typeface="Arial" panose="020B0604020202020204" pitchFamily="34" charset="0"/>
+              </a:rPr>
+              <a:t>Beate</a:t>
+            </a:r>
+            <a:r>
+              <a:rPr lang="en-US" b="0" i="0" dirty="0">
+                <a:solidFill>
+                  <a:srgbClr val="222222"/>
+                </a:solidFill>
+                <a:effectLst/>
+                <a:highlight>
+                  <a:srgbClr val="FFFFFF"/>
+                </a:highlight>
+                <a:latin typeface="Arial" panose="020B0604020202020204" pitchFamily="34" charset="0"/>
+              </a:rPr>
+              <a:t>, and Irene </a:t>
+            </a:r>
+            <a:r>
+              <a:rPr lang="en-US" b="0" i="0" dirty="0" err="1">
+                <a:solidFill>
+                  <a:srgbClr val="222222"/>
+                </a:solidFill>
+                <a:effectLst/>
+                <a:highlight>
+                  <a:srgbClr val="FFFFFF"/>
+                </a:highlight>
+                <a:latin typeface="Arial" panose="020B0604020202020204" pitchFamily="34" charset="0"/>
+              </a:rPr>
+              <a:t>Trysnes</a:t>
+            </a:r>
+            <a:r>
+              <a:rPr lang="en-US" b="0" i="0" dirty="0">
+                <a:solidFill>
+                  <a:srgbClr val="222222"/>
+                </a:solidFill>
+                <a:effectLst/>
+                <a:highlight>
+                  <a:srgbClr val="FFFFFF"/>
+                </a:highlight>
+                <a:latin typeface="Arial" panose="020B0604020202020204" pitchFamily="34" charset="0"/>
+              </a:rPr>
+              <a:t>. "# MeToo in school: Teachers’ and young learners’ lived experience of verbal sexual harassment as a pedagogical opportunity." </a:t>
+            </a:r>
+            <a:r>
+              <a:rPr lang="en-US" b="0" i="1" dirty="0">
+                <a:solidFill>
+                  <a:srgbClr val="222222"/>
+                </a:solidFill>
+                <a:effectLst/>
+                <a:highlight>
+                  <a:srgbClr val="FFFFFF"/>
+                </a:highlight>
+                <a:latin typeface="Arial" panose="020B0604020202020204" pitchFamily="34" charset="0"/>
+              </a:rPr>
+              <a:t>Human Rights Education Review</a:t>
+            </a:r>
+            <a:r>
+              <a:rPr lang="en-US" b="0" i="0" dirty="0">
+                <a:solidFill>
+                  <a:srgbClr val="222222"/>
+                </a:solidFill>
+                <a:effectLst/>
+                <a:highlight>
+                  <a:srgbClr val="FFFFFF"/>
+                </a:highlight>
+                <a:latin typeface="Arial" panose="020B0604020202020204" pitchFamily="34" charset="0"/>
+              </a:rPr>
+              <a:t> 3.2 (2020): 27-48.</a:t>
+            </a:r>
+            <a:br>
+              <a:rPr lang="en-US" dirty="0"/>
+            </a:br>
+            <a:br>
+              <a:rPr lang="en-US" dirty="0"/>
+            </a:br>
+            <a:endParaRPr lang="en-US" dirty="0"/>
           </a:p>
           <a:p>
             <a:endParaRPr lang="en-US" dirty="0"/>
@@ -4277,7 +4478,15 @@
             </a:r>
             <a:r>
               <a:rPr lang="en-US" dirty="0"/>
-              <a:t> - Sexual assault occurs when you are the victim of intentional physical contact that is sexual in nature without your consent. This can include unwanted sexual touching, rape, and other simi- lar acts. Sexual assault has been defined as being pressured or forced to have sexual contact [4]. Rape and sexual assault have been used inter- changeably in coverage of events leading to the #MeToo movement, and this practice, though un- intentional, is confusing. However, in this study, we do not consider the actions that lead to rape as an assault but rather as sexual violence [8, 2].</a:t>
+              <a:t> - Sexual assault occurs when you are the victim of intentional physical contact that is sexual in nature without your consent. This can include unwanted sexual touching, rape, and </a:t>
+            </a:r>
+            <a:r>
+              <a:rPr lang="en-US"/>
+              <a:t>other similar </a:t>
+            </a:r>
+            <a:r>
+              <a:rPr lang="en-US" dirty="0"/>
+              <a:t>acts. Sexual assault has been defined as being pressured or forced to have sexual contact [4]. Rape and sexual assault have been used interchangeably in coverage of events leading to the #MeToo movement, and this practice, though unintentional, is confusing. However, in this study, we do not consider the actions that lead to rape as an assault but rather as sexual violence [8, 2].</a:t>
             </a:r>
             <a:endParaRPr lang="en-US" b="1" u="sng" dirty="0"/>
           </a:p>
@@ -4292,15 +4501,7 @@
             </a:r>
             <a:r>
               <a:rPr lang="en-US" dirty="0"/>
-              <a:t> - Sexual harassment includes unwanted sexual con- duct such as unwelcome sexual advances, verbal conduct, physical conduct, and requests for sex- </a:t>
-            </a:r>
-            <a:r>
-              <a:rPr lang="en-US" dirty="0" err="1"/>
-              <a:t>ual</a:t>
-            </a:r>
-            <a:r>
-              <a:rPr lang="en-US" dirty="0"/>
-              <a:t> favors in instances. The conduct unreasonably interferes with the ability to do a job or creates an intimidating or hostile work environment. This situation might include the displays of offensive material or inappropriate jokes on an ongoing basis. </a:t>
+              <a:t> - Sexual harassment includes unwanted sexual conduct such as unwelcome sexual advances, verbal conduct, physical conduct, and requests for sexual favors in instances. The conduct unreasonably interferes with the ability to do a job or creates an intimidating or hostile work environment. This situation might include the displays of offensive material or inappropriate jokes on an ongoing basis. </a:t>
             </a:r>
           </a:p>
         </p:txBody>
